--- a/ppt/02_Programming.pptx
+++ b/ppt/02_Programming.pptx
@@ -5,7 +5,7 @@
     <p:sldMasterId id="2147483660" r:id="rId1"/>
   </p:sldMasterIdLst>
   <p:notesMasterIdLst>
-    <p:notesMasterId r:id="rId39"/>
+    <p:notesMasterId r:id="rId38"/>
   </p:notesMasterIdLst>
   <p:sldIdLst>
     <p:sldId id="256" r:id="rId2"/>
@@ -42,9 +42,8 @@
     <p:sldId id="290" r:id="rId33"/>
     <p:sldId id="291" r:id="rId34"/>
     <p:sldId id="292" r:id="rId35"/>
-    <p:sldId id="294" r:id="rId36"/>
-    <p:sldId id="293" r:id="rId37"/>
-    <p:sldId id="295" r:id="rId38"/>
+    <p:sldId id="293" r:id="rId36"/>
+    <p:sldId id="295" r:id="rId37"/>
   </p:sldIdLst>
   <p:sldSz cx="12192000" cy="6858000"/>
   <p:notesSz cx="6858000" cy="9144000"/>
@@ -233,7 +232,7 @@
           <a:p>
             <a:fld id="{1ED1A6C0-8FC2-4409-A8E6-E17910AA8DB3}" type="datetimeFigureOut">
               <a:rPr lang="ko-KR" altLang="en-US" smtClean="0"/>
-              <a:t>2020-12-18</a:t>
+              <a:t>2020-12-19</a:t>
             </a:fld>
             <a:endParaRPr lang="ko-KR" altLang="en-US"/>
           </a:p>
@@ -802,7 +801,7 @@
           <a:p>
             <a:fld id="{678FC51C-31B3-40F6-BACF-1AC488702042}" type="datetimeFigureOut">
               <a:rPr lang="ko-KR" altLang="en-US" smtClean="0"/>
-              <a:t>2020-12-18</a:t>
+              <a:t>2020-12-19</a:t>
             </a:fld>
             <a:endParaRPr lang="ko-KR" altLang="en-US"/>
           </a:p>
@@ -972,7 +971,7 @@
           <a:p>
             <a:fld id="{678FC51C-31B3-40F6-BACF-1AC488702042}" type="datetimeFigureOut">
               <a:rPr lang="ko-KR" altLang="en-US" smtClean="0"/>
-              <a:t>2020-12-18</a:t>
+              <a:t>2020-12-19</a:t>
             </a:fld>
             <a:endParaRPr lang="ko-KR" altLang="en-US"/>
           </a:p>
@@ -1152,7 +1151,7 @@
           <a:p>
             <a:fld id="{678FC51C-31B3-40F6-BACF-1AC488702042}" type="datetimeFigureOut">
               <a:rPr lang="ko-KR" altLang="en-US" smtClean="0"/>
-              <a:t>2020-12-18</a:t>
+              <a:t>2020-12-19</a:t>
             </a:fld>
             <a:endParaRPr lang="ko-KR" altLang="en-US"/>
           </a:p>
@@ -1360,7 +1359,7 @@
           <a:p>
             <a:fld id="{678FC51C-31B3-40F6-BACF-1AC488702042}" type="datetimeFigureOut">
               <a:rPr lang="ko-KR" altLang="en-US" smtClean="0"/>
-              <a:t>2020-12-18</a:t>
+              <a:t>2020-12-19</a:t>
             </a:fld>
             <a:endParaRPr lang="ko-KR" altLang="en-US"/>
           </a:p>
@@ -1606,7 +1605,7 @@
           <a:p>
             <a:fld id="{678FC51C-31B3-40F6-BACF-1AC488702042}" type="datetimeFigureOut">
               <a:rPr lang="ko-KR" altLang="en-US" smtClean="0"/>
-              <a:t>2020-12-18</a:t>
+              <a:t>2020-12-19</a:t>
             </a:fld>
             <a:endParaRPr lang="ko-KR" altLang="en-US"/>
           </a:p>
@@ -1838,7 +1837,7 @@
           <a:p>
             <a:fld id="{678FC51C-31B3-40F6-BACF-1AC488702042}" type="datetimeFigureOut">
               <a:rPr lang="ko-KR" altLang="en-US" smtClean="0"/>
-              <a:t>2020-12-18</a:t>
+              <a:t>2020-12-19</a:t>
             </a:fld>
             <a:endParaRPr lang="ko-KR" altLang="en-US"/>
           </a:p>
@@ -2205,7 +2204,7 @@
           <a:p>
             <a:fld id="{678FC51C-31B3-40F6-BACF-1AC488702042}" type="datetimeFigureOut">
               <a:rPr lang="ko-KR" altLang="en-US" smtClean="0"/>
-              <a:t>2020-12-18</a:t>
+              <a:t>2020-12-19</a:t>
             </a:fld>
             <a:endParaRPr lang="ko-KR" altLang="en-US"/>
           </a:p>
@@ -2323,7 +2322,7 @@
           <a:p>
             <a:fld id="{678FC51C-31B3-40F6-BACF-1AC488702042}" type="datetimeFigureOut">
               <a:rPr lang="ko-KR" altLang="en-US" smtClean="0"/>
-              <a:t>2020-12-18</a:t>
+              <a:t>2020-12-19</a:t>
             </a:fld>
             <a:endParaRPr lang="ko-KR" altLang="en-US"/>
           </a:p>
@@ -2418,7 +2417,7 @@
           <a:p>
             <a:fld id="{678FC51C-31B3-40F6-BACF-1AC488702042}" type="datetimeFigureOut">
               <a:rPr lang="ko-KR" altLang="en-US" smtClean="0"/>
-              <a:t>2020-12-18</a:t>
+              <a:t>2020-12-19</a:t>
             </a:fld>
             <a:endParaRPr lang="ko-KR" altLang="en-US"/>
           </a:p>
@@ -2695,7 +2694,7 @@
           <a:p>
             <a:fld id="{678FC51C-31B3-40F6-BACF-1AC488702042}" type="datetimeFigureOut">
               <a:rPr lang="ko-KR" altLang="en-US" smtClean="0"/>
-              <a:t>2020-12-18</a:t>
+              <a:t>2020-12-19</a:t>
             </a:fld>
             <a:endParaRPr lang="ko-KR" altLang="en-US"/>
           </a:p>
@@ -2952,7 +2951,7 @@
           <a:p>
             <a:fld id="{678FC51C-31B3-40F6-BACF-1AC488702042}" type="datetimeFigureOut">
               <a:rPr lang="ko-KR" altLang="en-US" smtClean="0"/>
-              <a:t>2020-12-18</a:t>
+              <a:t>2020-12-19</a:t>
             </a:fld>
             <a:endParaRPr lang="ko-KR" altLang="en-US"/>
           </a:p>
@@ -3165,7 +3164,7 @@
           <a:p>
             <a:fld id="{678FC51C-31B3-40F6-BACF-1AC488702042}" type="datetimeFigureOut">
               <a:rPr lang="ko-KR" altLang="en-US" smtClean="0"/>
-              <a:t>2020-12-18</a:t>
+              <a:t>2020-12-19</a:t>
             </a:fld>
             <a:endParaRPr lang="ko-KR" altLang="en-US"/>
           </a:p>
@@ -13892,6 +13891,330 @@
   <p:clrMapOvr>
     <a:masterClrMapping/>
   </p:clrMapOvr>
+  <p:timing>
+    <p:tnLst>
+      <p:par>
+        <p:cTn id="1" dur="indefinite" restart="never" nodeType="tmRoot">
+          <p:childTnLst>
+            <p:seq concurrent="1" nextAc="seek">
+              <p:cTn id="2" dur="indefinite" nodeType="mainSeq">
+                <p:childTnLst>
+                  <p:par>
+                    <p:cTn id="3" fill="hold">
+                      <p:stCondLst>
+                        <p:cond delay="indefinite"/>
+                      </p:stCondLst>
+                      <p:childTnLst>
+                        <p:par>
+                          <p:cTn id="4" fill="hold">
+                            <p:stCondLst>
+                              <p:cond delay="0"/>
+                            </p:stCondLst>
+                            <p:childTnLst>
+                              <p:par>
+                                <p:cTn id="5" presetID="1" presetClass="entr" presetSubtype="0" fill="hold" nodeType="clickEffect">
+                                  <p:stCondLst>
+                                    <p:cond delay="0"/>
+                                  </p:stCondLst>
+                                  <p:childTnLst>
+                                    <p:set>
+                                      <p:cBhvr>
+                                        <p:cTn id="6" dur="1" fill="hold">
+                                          <p:stCondLst>
+                                            <p:cond delay="0"/>
+                                          </p:stCondLst>
+                                        </p:cTn>
+                                        <p:tgtEl>
+                                          <p:spTgt spid="5"/>
+                                        </p:tgtEl>
+                                        <p:attrNameLst>
+                                          <p:attrName>style.visibility</p:attrName>
+                                        </p:attrNameLst>
+                                      </p:cBhvr>
+                                      <p:to>
+                                        <p:strVal val="visible"/>
+                                      </p:to>
+                                    </p:set>
+                                  </p:childTnLst>
+                                </p:cTn>
+                              </p:par>
+                              <p:par>
+                                <p:cTn id="7" presetID="1" presetClass="entr" presetSubtype="0" fill="hold" grpId="0" nodeType="withEffect">
+                                  <p:stCondLst>
+                                    <p:cond delay="0"/>
+                                  </p:stCondLst>
+                                  <p:childTnLst>
+                                    <p:set>
+                                      <p:cBhvr>
+                                        <p:cTn id="8" dur="1" fill="hold">
+                                          <p:stCondLst>
+                                            <p:cond delay="0"/>
+                                          </p:stCondLst>
+                                        </p:cTn>
+                                        <p:tgtEl>
+                                          <p:spTgt spid="15"/>
+                                        </p:tgtEl>
+                                        <p:attrNameLst>
+                                          <p:attrName>style.visibility</p:attrName>
+                                        </p:attrNameLst>
+                                      </p:cBhvr>
+                                      <p:to>
+                                        <p:strVal val="visible"/>
+                                      </p:to>
+                                    </p:set>
+                                  </p:childTnLst>
+                                </p:cTn>
+                              </p:par>
+                            </p:childTnLst>
+                          </p:cTn>
+                        </p:par>
+                      </p:childTnLst>
+                    </p:cTn>
+                  </p:par>
+                  <p:par>
+                    <p:cTn id="9" fill="hold">
+                      <p:stCondLst>
+                        <p:cond delay="indefinite"/>
+                      </p:stCondLst>
+                      <p:childTnLst>
+                        <p:par>
+                          <p:cTn id="10" fill="hold">
+                            <p:stCondLst>
+                              <p:cond delay="0"/>
+                            </p:stCondLst>
+                            <p:childTnLst>
+                              <p:par>
+                                <p:cTn id="11" presetID="1" presetClass="entr" presetSubtype="0" fill="hold" nodeType="clickEffect">
+                                  <p:stCondLst>
+                                    <p:cond delay="0"/>
+                                  </p:stCondLst>
+                                  <p:childTnLst>
+                                    <p:set>
+                                      <p:cBhvr>
+                                        <p:cTn id="12" dur="1" fill="hold">
+                                          <p:stCondLst>
+                                            <p:cond delay="0"/>
+                                          </p:stCondLst>
+                                        </p:cTn>
+                                        <p:tgtEl>
+                                          <p:spTgt spid="7"/>
+                                        </p:tgtEl>
+                                        <p:attrNameLst>
+                                          <p:attrName>style.visibility</p:attrName>
+                                        </p:attrNameLst>
+                                      </p:cBhvr>
+                                      <p:to>
+                                        <p:strVal val="visible"/>
+                                      </p:to>
+                                    </p:set>
+                                  </p:childTnLst>
+                                </p:cTn>
+                              </p:par>
+                              <p:par>
+                                <p:cTn id="13" presetID="1" presetClass="entr" presetSubtype="0" fill="hold" grpId="0" nodeType="withEffect">
+                                  <p:stCondLst>
+                                    <p:cond delay="0"/>
+                                  </p:stCondLst>
+                                  <p:childTnLst>
+                                    <p:set>
+                                      <p:cBhvr>
+                                        <p:cTn id="14" dur="1" fill="hold">
+                                          <p:stCondLst>
+                                            <p:cond delay="0"/>
+                                          </p:stCondLst>
+                                        </p:cTn>
+                                        <p:tgtEl>
+                                          <p:spTgt spid="16"/>
+                                        </p:tgtEl>
+                                        <p:attrNameLst>
+                                          <p:attrName>style.visibility</p:attrName>
+                                        </p:attrNameLst>
+                                      </p:cBhvr>
+                                      <p:to>
+                                        <p:strVal val="visible"/>
+                                      </p:to>
+                                    </p:set>
+                                  </p:childTnLst>
+                                </p:cTn>
+                              </p:par>
+                            </p:childTnLst>
+                          </p:cTn>
+                        </p:par>
+                      </p:childTnLst>
+                    </p:cTn>
+                  </p:par>
+                  <p:par>
+                    <p:cTn id="15" fill="hold">
+                      <p:stCondLst>
+                        <p:cond delay="indefinite"/>
+                      </p:stCondLst>
+                      <p:childTnLst>
+                        <p:par>
+                          <p:cTn id="16" fill="hold">
+                            <p:stCondLst>
+                              <p:cond delay="0"/>
+                            </p:stCondLst>
+                            <p:childTnLst>
+                              <p:par>
+                                <p:cTn id="17" presetID="1" presetClass="entr" presetSubtype="0" fill="hold" grpId="0" nodeType="clickEffect">
+                                  <p:stCondLst>
+                                    <p:cond delay="0"/>
+                                  </p:stCondLst>
+                                  <p:childTnLst>
+                                    <p:set>
+                                      <p:cBhvr>
+                                        <p:cTn id="18" dur="1" fill="hold">
+                                          <p:stCondLst>
+                                            <p:cond delay="0"/>
+                                          </p:stCondLst>
+                                        </p:cTn>
+                                        <p:tgtEl>
+                                          <p:spTgt spid="17"/>
+                                        </p:tgtEl>
+                                        <p:attrNameLst>
+                                          <p:attrName>style.visibility</p:attrName>
+                                        </p:attrNameLst>
+                                      </p:cBhvr>
+                                      <p:to>
+                                        <p:strVal val="visible"/>
+                                      </p:to>
+                                    </p:set>
+                                  </p:childTnLst>
+                                </p:cTn>
+                              </p:par>
+                              <p:par>
+                                <p:cTn id="19" presetID="1" presetClass="entr" presetSubtype="0" fill="hold" nodeType="withEffect">
+                                  <p:stCondLst>
+                                    <p:cond delay="0"/>
+                                  </p:stCondLst>
+                                  <p:childTnLst>
+                                    <p:set>
+                                      <p:cBhvr>
+                                        <p:cTn id="20" dur="1" fill="hold">
+                                          <p:stCondLst>
+                                            <p:cond delay="0"/>
+                                          </p:stCondLst>
+                                        </p:cTn>
+                                        <p:tgtEl>
+                                          <p:spTgt spid="9"/>
+                                        </p:tgtEl>
+                                        <p:attrNameLst>
+                                          <p:attrName>style.visibility</p:attrName>
+                                        </p:attrNameLst>
+                                      </p:cBhvr>
+                                      <p:to>
+                                        <p:strVal val="visible"/>
+                                      </p:to>
+                                    </p:set>
+                                  </p:childTnLst>
+                                </p:cTn>
+                              </p:par>
+                            </p:childTnLst>
+                          </p:cTn>
+                        </p:par>
+                      </p:childTnLst>
+                    </p:cTn>
+                  </p:par>
+                  <p:par>
+                    <p:cTn id="21" fill="hold">
+                      <p:stCondLst>
+                        <p:cond delay="indefinite"/>
+                      </p:stCondLst>
+                      <p:childTnLst>
+                        <p:par>
+                          <p:cTn id="22" fill="hold">
+                            <p:stCondLst>
+                              <p:cond delay="0"/>
+                            </p:stCondLst>
+                            <p:childTnLst>
+                              <p:par>
+                                <p:cTn id="23" presetID="1" presetClass="entr" presetSubtype="0" fill="hold" grpId="0" nodeType="clickEffect">
+                                  <p:stCondLst>
+                                    <p:cond delay="0"/>
+                                  </p:stCondLst>
+                                  <p:childTnLst>
+                                    <p:set>
+                                      <p:cBhvr>
+                                        <p:cTn id="24" dur="1" fill="hold">
+                                          <p:stCondLst>
+                                            <p:cond delay="0"/>
+                                          </p:stCondLst>
+                                        </p:cTn>
+                                        <p:tgtEl>
+                                          <p:spTgt spid="18"/>
+                                        </p:tgtEl>
+                                        <p:attrNameLst>
+                                          <p:attrName>style.visibility</p:attrName>
+                                        </p:attrNameLst>
+                                      </p:cBhvr>
+                                      <p:to>
+                                        <p:strVal val="visible"/>
+                                      </p:to>
+                                    </p:set>
+                                  </p:childTnLst>
+                                </p:cTn>
+                              </p:par>
+                              <p:par>
+                                <p:cTn id="25" presetID="1" presetClass="entr" presetSubtype="0" fill="hold" nodeType="withEffect">
+                                  <p:stCondLst>
+                                    <p:cond delay="0"/>
+                                  </p:stCondLst>
+                                  <p:childTnLst>
+                                    <p:set>
+                                      <p:cBhvr>
+                                        <p:cTn id="26" dur="1" fill="hold">
+                                          <p:stCondLst>
+                                            <p:cond delay="0"/>
+                                          </p:stCondLst>
+                                        </p:cTn>
+                                        <p:tgtEl>
+                                          <p:spTgt spid="11"/>
+                                        </p:tgtEl>
+                                        <p:attrNameLst>
+                                          <p:attrName>style.visibility</p:attrName>
+                                        </p:attrNameLst>
+                                      </p:cBhvr>
+                                      <p:to>
+                                        <p:strVal val="visible"/>
+                                      </p:to>
+                                    </p:set>
+                                  </p:childTnLst>
+                                </p:cTn>
+                              </p:par>
+                            </p:childTnLst>
+                          </p:cTn>
+                        </p:par>
+                      </p:childTnLst>
+                    </p:cTn>
+                  </p:par>
+                </p:childTnLst>
+              </p:cTn>
+              <p:prevCondLst>
+                <p:cond evt="onPrev" delay="0">
+                  <p:tgtEl>
+                    <p:sldTgt/>
+                  </p:tgtEl>
+                </p:cond>
+              </p:prevCondLst>
+              <p:nextCondLst>
+                <p:cond evt="onNext" delay="0">
+                  <p:tgtEl>
+                    <p:sldTgt/>
+                  </p:tgtEl>
+                </p:cond>
+              </p:nextCondLst>
+            </p:seq>
+          </p:childTnLst>
+        </p:cTn>
+      </p:par>
+    </p:tnLst>
+    <p:bldLst>
+      <p:bldP spid="15" grpId="0"/>
+      <p:bldP spid="16" grpId="0"/>
+      <p:bldP spid="17" grpId="0"/>
+      <p:bldP spid="18" grpId="0"/>
+    </p:bldLst>
+  </p:timing>
 </p:sld>
 </file>
 
@@ -14087,6 +14410,84 @@
   <p:clrMapOvr>
     <a:masterClrMapping/>
   </p:clrMapOvr>
+  <p:timing>
+    <p:tnLst>
+      <p:par>
+        <p:cTn id="1" dur="indefinite" restart="never" nodeType="tmRoot">
+          <p:childTnLst>
+            <p:seq concurrent="1" nextAc="seek">
+              <p:cTn id="2" dur="indefinite" nodeType="mainSeq">
+                <p:childTnLst>
+                  <p:par>
+                    <p:cTn id="3" fill="hold">
+                      <p:stCondLst>
+                        <p:cond delay="indefinite"/>
+                      </p:stCondLst>
+                      <p:childTnLst>
+                        <p:par>
+                          <p:cTn id="4" fill="hold">
+                            <p:stCondLst>
+                              <p:cond delay="0"/>
+                            </p:stCondLst>
+                            <p:childTnLst>
+                              <p:par>
+                                <p:cTn id="5" presetID="1" presetClass="entr" presetSubtype="0" fill="hold" grpId="0" nodeType="clickEffect">
+                                  <p:stCondLst>
+                                    <p:cond delay="0"/>
+                                  </p:stCondLst>
+                                  <p:childTnLst>
+                                    <p:set>
+                                      <p:cBhvr>
+                                        <p:cTn id="6" dur="1" fill="hold">
+                                          <p:stCondLst>
+                                            <p:cond delay="0"/>
+                                          </p:stCondLst>
+                                        </p:cTn>
+                                        <p:tgtEl>
+                                          <p:spTgt spid="4"/>
+                                        </p:tgtEl>
+                                        <p:attrNameLst>
+                                          <p:attrName>style.visibility</p:attrName>
+                                        </p:attrNameLst>
+                                      </p:cBhvr>
+                                      <p:to>
+                                        <p:strVal val="visible"/>
+                                      </p:to>
+                                    </p:set>
+                                  </p:childTnLst>
+                                </p:cTn>
+                              </p:par>
+                            </p:childTnLst>
+                          </p:cTn>
+                        </p:par>
+                      </p:childTnLst>
+                    </p:cTn>
+                  </p:par>
+                </p:childTnLst>
+              </p:cTn>
+              <p:prevCondLst>
+                <p:cond evt="onPrev" delay="0">
+                  <p:tgtEl>
+                    <p:sldTgt/>
+                  </p:tgtEl>
+                </p:cond>
+              </p:prevCondLst>
+              <p:nextCondLst>
+                <p:cond evt="onNext" delay="0">
+                  <p:tgtEl>
+                    <p:sldTgt/>
+                  </p:tgtEl>
+                </p:cond>
+              </p:nextCondLst>
+            </p:seq>
+          </p:childTnLst>
+        </p:cTn>
+      </p:par>
+    </p:tnLst>
+    <p:bldLst>
+      <p:bldP spid="4" grpId="0"/>
+    </p:bldLst>
+  </p:timing>
 </p:sld>
 </file>
 
@@ -14356,6 +14757,84 @@
   <p:clrMapOvr>
     <a:masterClrMapping/>
   </p:clrMapOvr>
+  <p:timing>
+    <p:tnLst>
+      <p:par>
+        <p:cTn id="1" dur="indefinite" restart="never" nodeType="tmRoot">
+          <p:childTnLst>
+            <p:seq concurrent="1" nextAc="seek">
+              <p:cTn id="2" dur="indefinite" nodeType="mainSeq">
+                <p:childTnLst>
+                  <p:par>
+                    <p:cTn id="3" fill="hold">
+                      <p:stCondLst>
+                        <p:cond delay="indefinite"/>
+                      </p:stCondLst>
+                      <p:childTnLst>
+                        <p:par>
+                          <p:cTn id="4" fill="hold">
+                            <p:stCondLst>
+                              <p:cond delay="0"/>
+                            </p:stCondLst>
+                            <p:childTnLst>
+                              <p:par>
+                                <p:cTn id="5" presetID="1" presetClass="entr" presetSubtype="0" fill="hold" grpId="0" nodeType="clickEffect">
+                                  <p:stCondLst>
+                                    <p:cond delay="0"/>
+                                  </p:stCondLst>
+                                  <p:childTnLst>
+                                    <p:set>
+                                      <p:cBhvr>
+                                        <p:cTn id="6" dur="1" fill="hold">
+                                          <p:stCondLst>
+                                            <p:cond delay="0"/>
+                                          </p:stCondLst>
+                                        </p:cTn>
+                                        <p:tgtEl>
+                                          <p:spTgt spid="7"/>
+                                        </p:tgtEl>
+                                        <p:attrNameLst>
+                                          <p:attrName>style.visibility</p:attrName>
+                                        </p:attrNameLst>
+                                      </p:cBhvr>
+                                      <p:to>
+                                        <p:strVal val="visible"/>
+                                      </p:to>
+                                    </p:set>
+                                  </p:childTnLst>
+                                </p:cTn>
+                              </p:par>
+                            </p:childTnLst>
+                          </p:cTn>
+                        </p:par>
+                      </p:childTnLst>
+                    </p:cTn>
+                  </p:par>
+                </p:childTnLst>
+              </p:cTn>
+              <p:prevCondLst>
+                <p:cond evt="onPrev" delay="0">
+                  <p:tgtEl>
+                    <p:sldTgt/>
+                  </p:tgtEl>
+                </p:cond>
+              </p:prevCondLst>
+              <p:nextCondLst>
+                <p:cond evt="onNext" delay="0">
+                  <p:tgtEl>
+                    <p:sldTgt/>
+                  </p:tgtEl>
+                </p:cond>
+              </p:nextCondLst>
+            </p:seq>
+          </p:childTnLst>
+        </p:cTn>
+      </p:par>
+    </p:tnLst>
+    <p:bldLst>
+      <p:bldP spid="7" grpId="0"/>
+    </p:bldLst>
+  </p:timing>
 </p:sld>
 </file>
 
@@ -14785,6 +15264,84 @@
   <p:clrMapOvr>
     <a:masterClrMapping/>
   </p:clrMapOvr>
+  <p:timing>
+    <p:tnLst>
+      <p:par>
+        <p:cTn id="1" dur="indefinite" restart="never" nodeType="tmRoot">
+          <p:childTnLst>
+            <p:seq concurrent="1" nextAc="seek">
+              <p:cTn id="2" dur="indefinite" nodeType="mainSeq">
+                <p:childTnLst>
+                  <p:par>
+                    <p:cTn id="3" fill="hold">
+                      <p:stCondLst>
+                        <p:cond delay="indefinite"/>
+                      </p:stCondLst>
+                      <p:childTnLst>
+                        <p:par>
+                          <p:cTn id="4" fill="hold">
+                            <p:stCondLst>
+                              <p:cond delay="0"/>
+                            </p:stCondLst>
+                            <p:childTnLst>
+                              <p:par>
+                                <p:cTn id="5" presetID="1" presetClass="entr" presetSubtype="0" fill="hold" grpId="0" nodeType="clickEffect">
+                                  <p:stCondLst>
+                                    <p:cond delay="0"/>
+                                  </p:stCondLst>
+                                  <p:childTnLst>
+                                    <p:set>
+                                      <p:cBhvr>
+                                        <p:cTn id="6" dur="1" fill="hold">
+                                          <p:stCondLst>
+                                            <p:cond delay="0"/>
+                                          </p:stCondLst>
+                                        </p:cTn>
+                                        <p:tgtEl>
+                                          <p:spTgt spid="7"/>
+                                        </p:tgtEl>
+                                        <p:attrNameLst>
+                                          <p:attrName>style.visibility</p:attrName>
+                                        </p:attrNameLst>
+                                      </p:cBhvr>
+                                      <p:to>
+                                        <p:strVal val="visible"/>
+                                      </p:to>
+                                    </p:set>
+                                  </p:childTnLst>
+                                </p:cTn>
+                              </p:par>
+                            </p:childTnLst>
+                          </p:cTn>
+                        </p:par>
+                      </p:childTnLst>
+                    </p:cTn>
+                  </p:par>
+                </p:childTnLst>
+              </p:cTn>
+              <p:prevCondLst>
+                <p:cond evt="onPrev" delay="0">
+                  <p:tgtEl>
+                    <p:sldTgt/>
+                  </p:tgtEl>
+                </p:cond>
+              </p:prevCondLst>
+              <p:nextCondLst>
+                <p:cond evt="onNext" delay="0">
+                  <p:tgtEl>
+                    <p:sldTgt/>
+                  </p:tgtEl>
+                </p:cond>
+              </p:nextCondLst>
+            </p:seq>
+          </p:childTnLst>
+        </p:cTn>
+      </p:par>
+    </p:tnLst>
+    <p:bldLst>
+      <p:bldP spid="7" grpId="0"/>
+    </p:bldLst>
+  </p:timing>
 </p:sld>
 </file>
 
@@ -15336,6 +15893,298 @@
   <p:clrMapOvr>
     <a:masterClrMapping/>
   </p:clrMapOvr>
+  <p:timing>
+    <p:tnLst>
+      <p:par>
+        <p:cTn id="1" dur="indefinite" restart="never" nodeType="tmRoot">
+          <p:childTnLst>
+            <p:seq concurrent="1" nextAc="seek">
+              <p:cTn id="2" dur="indefinite" nodeType="mainSeq">
+                <p:childTnLst>
+                  <p:par>
+                    <p:cTn id="3" fill="hold">
+                      <p:stCondLst>
+                        <p:cond delay="indefinite"/>
+                      </p:stCondLst>
+                      <p:childTnLst>
+                        <p:par>
+                          <p:cTn id="4" fill="hold">
+                            <p:stCondLst>
+                              <p:cond delay="0"/>
+                            </p:stCondLst>
+                            <p:childTnLst>
+                              <p:par>
+                                <p:cTn id="5" presetID="1" presetClass="entr" presetSubtype="0" fill="hold" grpId="0" nodeType="clickEffect">
+                                  <p:stCondLst>
+                                    <p:cond delay="0"/>
+                                  </p:stCondLst>
+                                  <p:childTnLst>
+                                    <p:set>
+                                      <p:cBhvr>
+                                        <p:cTn id="6" dur="1" fill="hold">
+                                          <p:stCondLst>
+                                            <p:cond delay="0"/>
+                                          </p:stCondLst>
+                                        </p:cTn>
+                                        <p:tgtEl>
+                                          <p:spTgt spid="8"/>
+                                        </p:tgtEl>
+                                        <p:attrNameLst>
+                                          <p:attrName>style.visibility</p:attrName>
+                                        </p:attrNameLst>
+                                      </p:cBhvr>
+                                      <p:to>
+                                        <p:strVal val="visible"/>
+                                      </p:to>
+                                    </p:set>
+                                  </p:childTnLst>
+                                </p:cTn>
+                              </p:par>
+                              <p:par>
+                                <p:cTn id="7" presetID="1" presetClass="entr" presetSubtype="0" fill="hold" grpId="0" nodeType="withEffect">
+                                  <p:stCondLst>
+                                    <p:cond delay="0"/>
+                                  </p:stCondLst>
+                                  <p:childTnLst>
+                                    <p:set>
+                                      <p:cBhvr>
+                                        <p:cTn id="8" dur="1" fill="hold">
+                                          <p:stCondLst>
+                                            <p:cond delay="0"/>
+                                          </p:stCondLst>
+                                        </p:cTn>
+                                        <p:tgtEl>
+                                          <p:spTgt spid="10"/>
+                                        </p:tgtEl>
+                                        <p:attrNameLst>
+                                          <p:attrName>style.visibility</p:attrName>
+                                        </p:attrNameLst>
+                                      </p:cBhvr>
+                                      <p:to>
+                                        <p:strVal val="visible"/>
+                                      </p:to>
+                                    </p:set>
+                                  </p:childTnLst>
+                                </p:cTn>
+                              </p:par>
+                              <p:par>
+                                <p:cTn id="9" presetID="1" presetClass="entr" presetSubtype="0" fill="hold" grpId="0" nodeType="withEffect">
+                                  <p:stCondLst>
+                                    <p:cond delay="0"/>
+                                  </p:stCondLst>
+                                  <p:childTnLst>
+                                    <p:set>
+                                      <p:cBhvr>
+                                        <p:cTn id="10" dur="1" fill="hold">
+                                          <p:stCondLst>
+                                            <p:cond delay="0"/>
+                                          </p:stCondLst>
+                                        </p:cTn>
+                                        <p:tgtEl>
+                                          <p:spTgt spid="12"/>
+                                        </p:tgtEl>
+                                        <p:attrNameLst>
+                                          <p:attrName>style.visibility</p:attrName>
+                                        </p:attrNameLst>
+                                      </p:cBhvr>
+                                      <p:to>
+                                        <p:strVal val="visible"/>
+                                      </p:to>
+                                    </p:set>
+                                  </p:childTnLst>
+                                </p:cTn>
+                              </p:par>
+                              <p:par>
+                                <p:cTn id="11" presetID="1" presetClass="entr" presetSubtype="0" fill="hold" grpId="0" nodeType="withEffect">
+                                  <p:stCondLst>
+                                    <p:cond delay="0"/>
+                                  </p:stCondLst>
+                                  <p:childTnLst>
+                                    <p:set>
+                                      <p:cBhvr>
+                                        <p:cTn id="12" dur="1" fill="hold">
+                                          <p:stCondLst>
+                                            <p:cond delay="0"/>
+                                          </p:stCondLst>
+                                        </p:cTn>
+                                        <p:tgtEl>
+                                          <p:spTgt spid="14"/>
+                                        </p:tgtEl>
+                                        <p:attrNameLst>
+                                          <p:attrName>style.visibility</p:attrName>
+                                        </p:attrNameLst>
+                                      </p:cBhvr>
+                                      <p:to>
+                                        <p:strVal val="visible"/>
+                                      </p:to>
+                                    </p:set>
+                                  </p:childTnLst>
+                                </p:cTn>
+                              </p:par>
+                            </p:childTnLst>
+                          </p:cTn>
+                        </p:par>
+                      </p:childTnLst>
+                    </p:cTn>
+                  </p:par>
+                  <p:par>
+                    <p:cTn id="13" fill="hold">
+                      <p:stCondLst>
+                        <p:cond delay="indefinite"/>
+                      </p:stCondLst>
+                      <p:childTnLst>
+                        <p:par>
+                          <p:cTn id="14" fill="hold">
+                            <p:stCondLst>
+                              <p:cond delay="0"/>
+                            </p:stCondLst>
+                            <p:childTnLst>
+                              <p:par>
+                                <p:cTn id="15" presetID="1" presetClass="entr" presetSubtype="0" fill="hold" grpId="0" nodeType="clickEffect">
+                                  <p:stCondLst>
+                                    <p:cond delay="0"/>
+                                  </p:stCondLst>
+                                  <p:childTnLst>
+                                    <p:set>
+                                      <p:cBhvr>
+                                        <p:cTn id="16" dur="1" fill="hold">
+                                          <p:stCondLst>
+                                            <p:cond delay="0"/>
+                                          </p:stCondLst>
+                                        </p:cTn>
+                                        <p:tgtEl>
+                                          <p:spTgt spid="4"/>
+                                        </p:tgtEl>
+                                        <p:attrNameLst>
+                                          <p:attrName>style.visibility</p:attrName>
+                                        </p:attrNameLst>
+                                      </p:cBhvr>
+                                      <p:to>
+                                        <p:strVal val="visible"/>
+                                      </p:to>
+                                    </p:set>
+                                  </p:childTnLst>
+                                </p:cTn>
+                              </p:par>
+                              <p:par>
+                                <p:cTn id="17" presetID="1" presetClass="entr" presetSubtype="0" fill="hold" grpId="0" nodeType="withEffect">
+                                  <p:stCondLst>
+                                    <p:cond delay="0"/>
+                                  </p:stCondLst>
+                                  <p:childTnLst>
+                                    <p:set>
+                                      <p:cBhvr>
+                                        <p:cTn id="18" dur="1" fill="hold">
+                                          <p:stCondLst>
+                                            <p:cond delay="0"/>
+                                          </p:stCondLst>
+                                        </p:cTn>
+                                        <p:tgtEl>
+                                          <p:spTgt spid="9"/>
+                                        </p:tgtEl>
+                                        <p:attrNameLst>
+                                          <p:attrName>style.visibility</p:attrName>
+                                        </p:attrNameLst>
+                                      </p:cBhvr>
+                                      <p:to>
+                                        <p:strVal val="visible"/>
+                                      </p:to>
+                                    </p:set>
+                                  </p:childTnLst>
+                                </p:cTn>
+                              </p:par>
+                              <p:par>
+                                <p:cTn id="19" presetID="1" presetClass="entr" presetSubtype="0" fill="hold" grpId="0" nodeType="withEffect">
+                                  <p:stCondLst>
+                                    <p:cond delay="0"/>
+                                  </p:stCondLst>
+                                  <p:childTnLst>
+                                    <p:set>
+                                      <p:cBhvr>
+                                        <p:cTn id="20" dur="1" fill="hold">
+                                          <p:stCondLst>
+                                            <p:cond delay="0"/>
+                                          </p:stCondLst>
+                                        </p:cTn>
+                                        <p:tgtEl>
+                                          <p:spTgt spid="11"/>
+                                        </p:tgtEl>
+                                        <p:attrNameLst>
+                                          <p:attrName>style.visibility</p:attrName>
+                                        </p:attrNameLst>
+                                      </p:cBhvr>
+                                      <p:to>
+                                        <p:strVal val="visible"/>
+                                      </p:to>
+                                    </p:set>
+                                  </p:childTnLst>
+                                </p:cTn>
+                              </p:par>
+                              <p:par>
+                                <p:cTn id="21" presetID="1" presetClass="entr" presetSubtype="0" fill="hold" grpId="0" nodeType="withEffect">
+                                  <p:stCondLst>
+                                    <p:cond delay="0"/>
+                                  </p:stCondLst>
+                                  <p:childTnLst>
+                                    <p:set>
+                                      <p:cBhvr>
+                                        <p:cTn id="22" dur="1" fill="hold">
+                                          <p:stCondLst>
+                                            <p:cond delay="0"/>
+                                          </p:stCondLst>
+                                        </p:cTn>
+                                        <p:tgtEl>
+                                          <p:spTgt spid="13"/>
+                                        </p:tgtEl>
+                                        <p:attrNameLst>
+                                          <p:attrName>style.visibility</p:attrName>
+                                        </p:attrNameLst>
+                                      </p:cBhvr>
+                                      <p:to>
+                                        <p:strVal val="visible"/>
+                                      </p:to>
+                                    </p:set>
+                                  </p:childTnLst>
+                                </p:cTn>
+                              </p:par>
+                            </p:childTnLst>
+                          </p:cTn>
+                        </p:par>
+                      </p:childTnLst>
+                    </p:cTn>
+                  </p:par>
+                </p:childTnLst>
+              </p:cTn>
+              <p:prevCondLst>
+                <p:cond evt="onPrev" delay="0">
+                  <p:tgtEl>
+                    <p:sldTgt/>
+                  </p:tgtEl>
+                </p:cond>
+              </p:prevCondLst>
+              <p:nextCondLst>
+                <p:cond evt="onNext" delay="0">
+                  <p:tgtEl>
+                    <p:sldTgt/>
+                  </p:tgtEl>
+                </p:cond>
+              </p:nextCondLst>
+            </p:seq>
+          </p:childTnLst>
+        </p:cTn>
+      </p:par>
+    </p:tnLst>
+    <p:bldLst>
+      <p:bldP spid="4" grpId="0" animBg="1"/>
+      <p:bldP spid="8" grpId="0"/>
+      <p:bldP spid="9" grpId="0" animBg="1"/>
+      <p:bldP spid="10" grpId="0"/>
+      <p:bldP spid="11" grpId="0" animBg="1"/>
+      <p:bldP spid="12" grpId="0"/>
+      <p:bldP spid="13" grpId="0" animBg="1"/>
+      <p:bldP spid="14" grpId="0"/>
+    </p:bldLst>
+  </p:timing>
 </p:sld>
 </file>
 
@@ -15361,557 +16210,6 @@
           <p:cNvPr id="2" name="제목 1">
             <a:extLst>
               <a:ext uri="{FF2B5EF4-FFF2-40B4-BE49-F238E27FC236}">
-                <a16:creationId xmlns:a16="http://schemas.microsoft.com/office/drawing/2014/main" id="{B9FD6F44-BD84-4884-A03A-DF2C7A6CDE06}"/>
-              </a:ext>
-            </a:extLst>
-          </p:cNvPr>
-          <p:cNvSpPr>
-            <a:spLocks noGrp="1"/>
-          </p:cNvSpPr>
-          <p:nvPr>
-            <p:ph type="title"/>
-          </p:nvPr>
-        </p:nvSpPr>
-        <p:spPr/>
-        <p:txBody>
-          <a:bodyPr/>
-          <a:lstStyle/>
-          <a:p>
-            <a:r>
-              <a:rPr lang="ko-KR" altLang="en-US" dirty="0"/>
-              <a:t>퀴즈</a:t>
-            </a:r>
-          </a:p>
-        </p:txBody>
-      </p:sp>
-      <p:sp>
-        <p:nvSpPr>
-          <p:cNvPr id="3" name="내용 개체 틀 2">
-            <a:extLst>
-              <a:ext uri="{FF2B5EF4-FFF2-40B4-BE49-F238E27FC236}">
-                <a16:creationId xmlns:a16="http://schemas.microsoft.com/office/drawing/2014/main" id="{830A227D-BFE2-48E0-B62A-94E14713C46D}"/>
-              </a:ext>
-            </a:extLst>
-          </p:cNvPr>
-          <p:cNvSpPr>
-            <a:spLocks noGrp="1"/>
-          </p:cNvSpPr>
-          <p:nvPr>
-            <p:ph idx="1"/>
-          </p:nvPr>
-        </p:nvSpPr>
-        <p:spPr/>
-        <p:txBody>
-          <a:bodyPr/>
-          <a:lstStyle/>
-          <a:p>
-            <a:r>
-              <a:rPr lang="en-US" altLang="ko-KR" dirty="0"/>
-              <a:t> </a:t>
-            </a:r>
-            <a:r>
-              <a:rPr lang="ko-KR" altLang="en-US" dirty="0"/>
-              <a:t>대부분 많은 함수들은 </a:t>
-            </a:r>
-            <a:r>
-              <a:rPr lang="ko-KR" altLang="en-US" dirty="0">
-                <a:solidFill>
-                  <a:schemeClr val="accent1"/>
-                </a:solidFill>
-              </a:rPr>
-              <a:t>변수를 변화</a:t>
-            </a:r>
-            <a:r>
-              <a:rPr lang="ko-KR" altLang="en-US" dirty="0"/>
-              <a:t>시킨다</a:t>
-            </a:r>
-            <a:r>
-              <a:rPr lang="en-US" altLang="ko-KR" dirty="0"/>
-              <a:t>.</a:t>
-            </a:r>
-            <a:endParaRPr lang="ko-KR" altLang="en-US" dirty="0"/>
-          </a:p>
-        </p:txBody>
-      </p:sp>
-      <p:sp>
-        <p:nvSpPr>
-          <p:cNvPr id="4" name="직사각형 3">
-            <a:extLst>
-              <a:ext uri="{FF2B5EF4-FFF2-40B4-BE49-F238E27FC236}">
-                <a16:creationId xmlns:a16="http://schemas.microsoft.com/office/drawing/2014/main" id="{87143008-41A4-4257-A13F-6D8F4246F939}"/>
-              </a:ext>
-            </a:extLst>
-          </p:cNvPr>
-          <p:cNvSpPr/>
-          <p:nvPr/>
-        </p:nvSpPr>
-        <p:spPr>
-          <a:xfrm>
-            <a:off x="721598" y="3916216"/>
-            <a:ext cx="2175928" cy="914400"/>
-          </a:xfrm>
-          <a:prstGeom prst="rect">
-            <a:avLst/>
-          </a:prstGeom>
-        </p:spPr>
-        <p:style>
-          <a:lnRef idx="3">
-            <a:schemeClr val="lt1"/>
-          </a:lnRef>
-          <a:fillRef idx="1">
-            <a:schemeClr val="accent3"/>
-          </a:fillRef>
-          <a:effectRef idx="1">
-            <a:schemeClr val="accent3"/>
-          </a:effectRef>
-          <a:fontRef idx="minor">
-            <a:schemeClr val="lt1"/>
-          </a:fontRef>
-        </p:style>
-        <p:txBody>
-          <a:bodyPr rtlCol="0" anchor="ctr"/>
-          <a:lstStyle/>
-          <a:p>
-            <a:pPr algn="ctr"/>
-            <a:r>
-              <a:rPr lang="ko-KR" altLang="en-US" sz="1200" dirty="0">
-                <a:solidFill>
-                  <a:schemeClr val="accent1"/>
-                </a:solidFill>
-              </a:rPr>
-              <a:t>높이</a:t>
-            </a:r>
-            <a:r>
-              <a:rPr lang="ko-KR" altLang="en-US" sz="1200" dirty="0"/>
-              <a:t> 일시적으로 </a:t>
-            </a:r>
-            <a:r>
-              <a:rPr lang="ko-KR" altLang="en-US" sz="1200" dirty="0">
-                <a:solidFill>
-                  <a:schemeClr val="accent1"/>
-                </a:solidFill>
-              </a:rPr>
-              <a:t>상승</a:t>
-            </a:r>
-            <a:r>
-              <a:rPr lang="ko-KR" altLang="en-US" sz="1200" dirty="0"/>
-              <a:t> </a:t>
-            </a:r>
-          </a:p>
-        </p:txBody>
-      </p:sp>
-      <p:sp>
-        <p:nvSpPr>
-          <p:cNvPr id="8" name="TextBox 7">
-            <a:extLst>
-              <a:ext uri="{FF2B5EF4-FFF2-40B4-BE49-F238E27FC236}">
-                <a16:creationId xmlns:a16="http://schemas.microsoft.com/office/drawing/2014/main" id="{10FE5CBE-6F6B-4BB9-88B4-8CEEB7C7A30A}"/>
-              </a:ext>
-            </a:extLst>
-          </p:cNvPr>
-          <p:cNvSpPr txBox="1"/>
-          <p:nvPr/>
-        </p:nvSpPr>
-        <p:spPr>
-          <a:xfrm>
-            <a:off x="1486397" y="3546884"/>
-            <a:ext cx="646331" cy="369332"/>
-          </a:xfrm>
-          <a:prstGeom prst="rect">
-            <a:avLst/>
-          </a:prstGeom>
-          <a:noFill/>
-        </p:spPr>
-        <p:txBody>
-          <a:bodyPr wrap="none" rtlCol="0">
-            <a:spAutoFit/>
-          </a:bodyPr>
-          <a:lstStyle/>
-          <a:p>
-            <a:r>
-              <a:rPr lang="ko-KR" altLang="en-US" dirty="0"/>
-              <a:t>점프</a:t>
-            </a:r>
-          </a:p>
-        </p:txBody>
-      </p:sp>
-      <p:sp>
-        <p:nvSpPr>
-          <p:cNvPr id="9" name="직사각형 8">
-            <a:extLst>
-              <a:ext uri="{FF2B5EF4-FFF2-40B4-BE49-F238E27FC236}">
-                <a16:creationId xmlns:a16="http://schemas.microsoft.com/office/drawing/2014/main" id="{B41E98F2-C1A7-41EE-BE18-3A261179DBB8}"/>
-              </a:ext>
-            </a:extLst>
-          </p:cNvPr>
-          <p:cNvSpPr/>
-          <p:nvPr/>
-        </p:nvSpPr>
-        <p:spPr>
-          <a:xfrm>
-            <a:off x="3386289" y="3916216"/>
-            <a:ext cx="2175928" cy="914400"/>
-          </a:xfrm>
-          <a:prstGeom prst="rect">
-            <a:avLst/>
-          </a:prstGeom>
-        </p:spPr>
-        <p:style>
-          <a:lnRef idx="3">
-            <a:schemeClr val="lt1"/>
-          </a:lnRef>
-          <a:fillRef idx="1">
-            <a:schemeClr val="accent3"/>
-          </a:fillRef>
-          <a:effectRef idx="1">
-            <a:schemeClr val="accent3"/>
-          </a:effectRef>
-          <a:fontRef idx="minor">
-            <a:schemeClr val="lt1"/>
-          </a:fontRef>
-        </p:style>
-        <p:txBody>
-          <a:bodyPr rtlCol="0" anchor="ctr"/>
-          <a:lstStyle/>
-          <a:p>
-            <a:pPr algn="ctr"/>
-            <a:r>
-              <a:rPr lang="ko-KR" altLang="en-US" sz="1200" dirty="0">
-                <a:solidFill>
-                  <a:schemeClr val="accent1"/>
-                </a:solidFill>
-              </a:rPr>
-              <a:t>높이</a:t>
-            </a:r>
-            <a:r>
-              <a:rPr lang="ko-KR" altLang="en-US" sz="1200" dirty="0"/>
-              <a:t> </a:t>
-            </a:r>
-            <a:r>
-              <a:rPr lang="ko-KR" altLang="en-US" sz="1200" dirty="0">
-                <a:solidFill>
-                  <a:schemeClr val="accent1"/>
-                </a:solidFill>
-              </a:rPr>
-              <a:t>하락</a:t>
-            </a:r>
-            <a:endParaRPr lang="en-US" altLang="ko-KR" sz="1200" dirty="0">
-              <a:solidFill>
-                <a:schemeClr val="accent1"/>
-              </a:solidFill>
-            </a:endParaRPr>
-          </a:p>
-          <a:p>
-            <a:pPr algn="ctr"/>
-            <a:r>
-              <a:rPr lang="ko-KR" altLang="en-US" sz="1200" dirty="0">
-                <a:solidFill>
-                  <a:schemeClr val="accent1"/>
-                </a:solidFill>
-              </a:rPr>
-              <a:t>이동속도 감소 </a:t>
-            </a:r>
-          </a:p>
-        </p:txBody>
-      </p:sp>
-      <p:sp>
-        <p:nvSpPr>
-          <p:cNvPr id="10" name="TextBox 9">
-            <a:extLst>
-              <a:ext uri="{FF2B5EF4-FFF2-40B4-BE49-F238E27FC236}">
-                <a16:creationId xmlns:a16="http://schemas.microsoft.com/office/drawing/2014/main" id="{B59C06A7-343B-4EF1-B151-18B3AE5CB39D}"/>
-              </a:ext>
-            </a:extLst>
-          </p:cNvPr>
-          <p:cNvSpPr txBox="1"/>
-          <p:nvPr/>
-        </p:nvSpPr>
-        <p:spPr>
-          <a:xfrm>
-            <a:off x="4151088" y="3546884"/>
-            <a:ext cx="646331" cy="369332"/>
-          </a:xfrm>
-          <a:prstGeom prst="rect">
-            <a:avLst/>
-          </a:prstGeom>
-          <a:noFill/>
-        </p:spPr>
-        <p:txBody>
-          <a:bodyPr wrap="none" rtlCol="0">
-            <a:spAutoFit/>
-          </a:bodyPr>
-          <a:lstStyle/>
-          <a:p>
-            <a:r>
-              <a:rPr lang="ko-KR" altLang="en-US" dirty="0"/>
-              <a:t>앉기</a:t>
-            </a:r>
-          </a:p>
-        </p:txBody>
-      </p:sp>
-      <p:sp>
-        <p:nvSpPr>
-          <p:cNvPr id="11" name="직사각형 10">
-            <a:extLst>
-              <a:ext uri="{FF2B5EF4-FFF2-40B4-BE49-F238E27FC236}">
-                <a16:creationId xmlns:a16="http://schemas.microsoft.com/office/drawing/2014/main" id="{BB8C2A29-09AE-4C62-89AA-9F13FD4A6780}"/>
-              </a:ext>
-            </a:extLst>
-          </p:cNvPr>
-          <p:cNvSpPr/>
-          <p:nvPr/>
-        </p:nvSpPr>
-        <p:spPr>
-          <a:xfrm>
-            <a:off x="6217911" y="3916216"/>
-            <a:ext cx="2175928" cy="914400"/>
-          </a:xfrm>
-          <a:prstGeom prst="rect">
-            <a:avLst/>
-          </a:prstGeom>
-        </p:spPr>
-        <p:style>
-          <a:lnRef idx="3">
-            <a:schemeClr val="lt1"/>
-          </a:lnRef>
-          <a:fillRef idx="1">
-            <a:schemeClr val="accent3"/>
-          </a:fillRef>
-          <a:effectRef idx="1">
-            <a:schemeClr val="accent3"/>
-          </a:effectRef>
-          <a:fontRef idx="minor">
-            <a:schemeClr val="lt1"/>
-          </a:fontRef>
-        </p:style>
-        <p:txBody>
-          <a:bodyPr rtlCol="0" anchor="ctr"/>
-          <a:lstStyle/>
-          <a:p>
-            <a:pPr algn="ctr"/>
-            <a:r>
-              <a:rPr lang="ko-KR" altLang="en-US" sz="1200" dirty="0">
-                <a:solidFill>
-                  <a:schemeClr val="accent1"/>
-                </a:solidFill>
-              </a:rPr>
-              <a:t>총알 개수 감소</a:t>
-            </a:r>
-          </a:p>
-        </p:txBody>
-      </p:sp>
-      <p:sp>
-        <p:nvSpPr>
-          <p:cNvPr id="12" name="TextBox 11">
-            <a:extLst>
-              <a:ext uri="{FF2B5EF4-FFF2-40B4-BE49-F238E27FC236}">
-                <a16:creationId xmlns:a16="http://schemas.microsoft.com/office/drawing/2014/main" id="{017346F4-EB53-44CF-8C2D-31A8B9B3DCEC}"/>
-              </a:ext>
-            </a:extLst>
-          </p:cNvPr>
-          <p:cNvSpPr txBox="1"/>
-          <p:nvPr/>
-        </p:nvSpPr>
-        <p:spPr>
-          <a:xfrm>
-            <a:off x="6867293" y="3546884"/>
-            <a:ext cx="877163" cy="369332"/>
-          </a:xfrm>
-          <a:prstGeom prst="rect">
-            <a:avLst/>
-          </a:prstGeom>
-          <a:noFill/>
-        </p:spPr>
-        <p:txBody>
-          <a:bodyPr wrap="none" rtlCol="0">
-            <a:spAutoFit/>
-          </a:bodyPr>
-          <a:lstStyle/>
-          <a:p>
-            <a:r>
-              <a:rPr lang="ko-KR" altLang="en-US"/>
-              <a:t>총쏘기</a:t>
-            </a:r>
-            <a:endParaRPr lang="ko-KR" altLang="en-US" dirty="0"/>
-          </a:p>
-        </p:txBody>
-      </p:sp>
-      <p:sp>
-        <p:nvSpPr>
-          <p:cNvPr id="13" name="직사각형 12">
-            <a:extLst>
-              <a:ext uri="{FF2B5EF4-FFF2-40B4-BE49-F238E27FC236}">
-                <a16:creationId xmlns:a16="http://schemas.microsoft.com/office/drawing/2014/main" id="{E6103FE0-DA3F-4424-91C8-0C2B7945D53C}"/>
-              </a:ext>
-            </a:extLst>
-          </p:cNvPr>
-          <p:cNvSpPr/>
-          <p:nvPr/>
-        </p:nvSpPr>
-        <p:spPr>
-          <a:xfrm>
-            <a:off x="9043221" y="3916216"/>
-            <a:ext cx="2175928" cy="914400"/>
-          </a:xfrm>
-          <a:prstGeom prst="rect">
-            <a:avLst/>
-          </a:prstGeom>
-        </p:spPr>
-        <p:style>
-          <a:lnRef idx="3">
-            <a:schemeClr val="lt1"/>
-          </a:lnRef>
-          <a:fillRef idx="1">
-            <a:schemeClr val="accent3"/>
-          </a:fillRef>
-          <a:effectRef idx="1">
-            <a:schemeClr val="accent3"/>
-          </a:effectRef>
-          <a:fontRef idx="minor">
-            <a:schemeClr val="lt1"/>
-          </a:fontRef>
-        </p:style>
-        <p:txBody>
-          <a:bodyPr rtlCol="0" anchor="ctr"/>
-          <a:lstStyle/>
-          <a:p>
-            <a:pPr algn="ctr"/>
-            <a:r>
-              <a:rPr lang="ko-KR" altLang="en-US" sz="1200" dirty="0" err="1">
-                <a:solidFill>
-                  <a:schemeClr val="accent1"/>
-                </a:solidFill>
-              </a:rPr>
-              <a:t>궁극기</a:t>
-            </a:r>
-            <a:r>
-              <a:rPr lang="ko-KR" altLang="en-US" sz="1200" dirty="0">
-                <a:solidFill>
-                  <a:schemeClr val="accent1"/>
-                </a:solidFill>
-              </a:rPr>
-              <a:t> 게이지 </a:t>
-            </a:r>
-            <a:r>
-              <a:rPr lang="en-US" altLang="ko-KR" sz="1200" dirty="0">
-                <a:solidFill>
-                  <a:schemeClr val="accent1"/>
-                </a:solidFill>
-              </a:rPr>
-              <a:t>=</a:t>
-            </a:r>
-            <a:r>
-              <a:rPr lang="ko-KR" altLang="en-US" sz="1200" dirty="0">
-                <a:solidFill>
-                  <a:schemeClr val="accent1"/>
-                </a:solidFill>
-              </a:rPr>
-              <a:t> </a:t>
-            </a:r>
-            <a:r>
-              <a:rPr lang="en-US" altLang="ko-KR" sz="1200" dirty="0">
-                <a:solidFill>
-                  <a:schemeClr val="accent1"/>
-                </a:solidFill>
-              </a:rPr>
-              <a:t>0</a:t>
-            </a:r>
-          </a:p>
-          <a:p>
-            <a:pPr algn="ctr"/>
-            <a:r>
-              <a:rPr lang="ko-KR" altLang="en-US" sz="1200" dirty="0" err="1">
-                <a:solidFill>
-                  <a:schemeClr val="accent1"/>
-                </a:solidFill>
-              </a:rPr>
-              <a:t>궁극기</a:t>
-            </a:r>
-            <a:r>
-              <a:rPr lang="ko-KR" altLang="en-US" sz="1200" dirty="0">
-                <a:solidFill>
-                  <a:schemeClr val="accent1"/>
-                </a:solidFill>
-              </a:rPr>
-              <a:t> 사용</a:t>
-            </a:r>
-          </a:p>
-        </p:txBody>
-      </p:sp>
-      <p:sp>
-        <p:nvSpPr>
-          <p:cNvPr id="14" name="TextBox 13">
-            <a:extLst>
-              <a:ext uri="{FF2B5EF4-FFF2-40B4-BE49-F238E27FC236}">
-                <a16:creationId xmlns:a16="http://schemas.microsoft.com/office/drawing/2014/main" id="{B834C0FD-6313-4834-81C9-567D74DE6481}"/>
-              </a:ext>
-            </a:extLst>
-          </p:cNvPr>
-          <p:cNvSpPr txBox="1"/>
-          <p:nvPr/>
-        </p:nvSpPr>
-        <p:spPr>
-          <a:xfrm>
-            <a:off x="9408872" y="3546884"/>
-            <a:ext cx="1444626" cy="369332"/>
-          </a:xfrm>
-          <a:prstGeom prst="rect">
-            <a:avLst/>
-          </a:prstGeom>
-          <a:noFill/>
-        </p:spPr>
-        <p:txBody>
-          <a:bodyPr wrap="none" rtlCol="0">
-            <a:spAutoFit/>
-          </a:bodyPr>
-          <a:lstStyle/>
-          <a:p>
-            <a:r>
-              <a:rPr lang="ko-KR" altLang="en-US" dirty="0" err="1"/>
-              <a:t>궁극기</a:t>
-            </a:r>
-            <a:r>
-              <a:rPr lang="ko-KR" altLang="en-US" dirty="0"/>
-              <a:t> 사용</a:t>
-            </a:r>
-          </a:p>
-        </p:txBody>
-      </p:sp>
-    </p:spTree>
-    <p:extLst>
-      <p:ext uri="{BB962C8B-B14F-4D97-AF65-F5344CB8AC3E}">
-        <p14:creationId xmlns:p14="http://schemas.microsoft.com/office/powerpoint/2010/main" val="3118946480"/>
-      </p:ext>
-    </p:extLst>
-  </p:cSld>
-  <p:clrMapOvr>
-    <a:masterClrMapping/>
-  </p:clrMapOvr>
-</p:sld>
-</file>
-
-<file path=ppt/slides/slide36.xml><?xml version="1.0" encoding="utf-8"?>
-<p:sld xmlns:a="http://schemas.openxmlformats.org/drawingml/2006/main" xmlns:r="http://schemas.openxmlformats.org/officeDocument/2006/relationships" xmlns:p="http://schemas.openxmlformats.org/presentationml/2006/main">
-  <p:cSld>
-    <p:spTree>
-      <p:nvGrpSpPr>
-        <p:cNvPr id="1" name=""/>
-        <p:cNvGrpSpPr/>
-        <p:nvPr/>
-      </p:nvGrpSpPr>
-      <p:grpSpPr>
-        <a:xfrm>
-          <a:off x="0" y="0"/>
-          <a:ext cx="0" cy="0"/>
-          <a:chOff x="0" y="0"/>
-          <a:chExt cx="0" cy="0"/>
-        </a:xfrm>
-      </p:grpSpPr>
-      <p:sp>
-        <p:nvSpPr>
-          <p:cNvPr id="2" name="제목 1">
-            <a:extLst>
-              <a:ext uri="{FF2B5EF4-FFF2-40B4-BE49-F238E27FC236}">
                 <a16:creationId xmlns:a16="http://schemas.microsoft.com/office/drawing/2014/main" id="{1D9DE826-3334-4F0A-BF3D-72C3E13AE34A}"/>
               </a:ext>
             </a:extLst>
@@ -16141,10 +16439,262 @@
   <p:clrMapOvr>
     <a:masterClrMapping/>
   </p:clrMapOvr>
+  <p:timing>
+    <p:tnLst>
+      <p:par>
+        <p:cTn id="1" dur="indefinite" restart="never" nodeType="tmRoot">
+          <p:childTnLst>
+            <p:seq concurrent="1" nextAc="seek">
+              <p:cTn id="2" dur="indefinite" nodeType="mainSeq">
+                <p:childTnLst>
+                  <p:par>
+                    <p:cTn id="3" fill="hold">
+                      <p:stCondLst>
+                        <p:cond delay="indefinite"/>
+                      </p:stCondLst>
+                      <p:childTnLst>
+                        <p:par>
+                          <p:cTn id="4" fill="hold">
+                            <p:stCondLst>
+                              <p:cond delay="0"/>
+                            </p:stCondLst>
+                            <p:childTnLst>
+                              <p:par>
+                                <p:cTn id="5" presetID="1" presetClass="entr" presetSubtype="0" fill="hold" nodeType="clickEffect">
+                                  <p:stCondLst>
+                                    <p:cond delay="0"/>
+                                  </p:stCondLst>
+                                  <p:childTnLst>
+                                    <p:set>
+                                      <p:cBhvr>
+                                        <p:cTn id="6" dur="1" fill="hold">
+                                          <p:stCondLst>
+                                            <p:cond delay="0"/>
+                                          </p:stCondLst>
+                                        </p:cTn>
+                                        <p:tgtEl>
+                                          <p:spTgt spid="3">
+                                            <p:txEl>
+                                              <p:pRg st="0" end="0"/>
+                                            </p:txEl>
+                                          </p:spTgt>
+                                        </p:tgtEl>
+                                        <p:attrNameLst>
+                                          <p:attrName>style.visibility</p:attrName>
+                                        </p:attrNameLst>
+                                      </p:cBhvr>
+                                      <p:to>
+                                        <p:strVal val="visible"/>
+                                      </p:to>
+                                    </p:set>
+                                  </p:childTnLst>
+                                </p:cTn>
+                              </p:par>
+                              <p:par>
+                                <p:cTn id="7" presetID="1" presetClass="entr" presetSubtype="0" fill="hold" nodeType="withEffect">
+                                  <p:stCondLst>
+                                    <p:cond delay="0"/>
+                                  </p:stCondLst>
+                                  <p:childTnLst>
+                                    <p:set>
+                                      <p:cBhvr>
+                                        <p:cTn id="8" dur="1" fill="hold">
+                                          <p:stCondLst>
+                                            <p:cond delay="0"/>
+                                          </p:stCondLst>
+                                        </p:cTn>
+                                        <p:tgtEl>
+                                          <p:spTgt spid="3">
+                                            <p:txEl>
+                                              <p:pRg st="1" end="1"/>
+                                            </p:txEl>
+                                          </p:spTgt>
+                                        </p:tgtEl>
+                                        <p:attrNameLst>
+                                          <p:attrName>style.visibility</p:attrName>
+                                        </p:attrNameLst>
+                                      </p:cBhvr>
+                                      <p:to>
+                                        <p:strVal val="visible"/>
+                                      </p:to>
+                                    </p:set>
+                                  </p:childTnLst>
+                                </p:cTn>
+                              </p:par>
+                              <p:par>
+                                <p:cTn id="9" presetID="1" presetClass="entr" presetSubtype="0" fill="hold" nodeType="withEffect">
+                                  <p:stCondLst>
+                                    <p:cond delay="0"/>
+                                  </p:stCondLst>
+                                  <p:childTnLst>
+                                    <p:set>
+                                      <p:cBhvr>
+                                        <p:cTn id="10" dur="1" fill="hold">
+                                          <p:stCondLst>
+                                            <p:cond delay="0"/>
+                                          </p:stCondLst>
+                                        </p:cTn>
+                                        <p:tgtEl>
+                                          <p:spTgt spid="3">
+                                            <p:txEl>
+                                              <p:pRg st="2" end="2"/>
+                                            </p:txEl>
+                                          </p:spTgt>
+                                        </p:tgtEl>
+                                        <p:attrNameLst>
+                                          <p:attrName>style.visibility</p:attrName>
+                                        </p:attrNameLst>
+                                      </p:cBhvr>
+                                      <p:to>
+                                        <p:strVal val="visible"/>
+                                      </p:to>
+                                    </p:set>
+                                  </p:childTnLst>
+                                </p:cTn>
+                              </p:par>
+                            </p:childTnLst>
+                          </p:cTn>
+                        </p:par>
+                      </p:childTnLst>
+                    </p:cTn>
+                  </p:par>
+                  <p:par>
+                    <p:cTn id="11" fill="hold">
+                      <p:stCondLst>
+                        <p:cond delay="indefinite"/>
+                      </p:stCondLst>
+                      <p:childTnLst>
+                        <p:par>
+                          <p:cTn id="12" fill="hold">
+                            <p:stCondLst>
+                              <p:cond delay="0"/>
+                            </p:stCondLst>
+                            <p:childTnLst>
+                              <p:par>
+                                <p:cTn id="13" presetID="1" presetClass="entr" presetSubtype="0" fill="hold" nodeType="clickEffect">
+                                  <p:stCondLst>
+                                    <p:cond delay="0"/>
+                                  </p:stCondLst>
+                                  <p:childTnLst>
+                                    <p:set>
+                                      <p:cBhvr>
+                                        <p:cTn id="14" dur="1" fill="hold">
+                                          <p:stCondLst>
+                                            <p:cond delay="0"/>
+                                          </p:stCondLst>
+                                        </p:cTn>
+                                        <p:tgtEl>
+                                          <p:spTgt spid="3">
+                                            <p:txEl>
+                                              <p:pRg st="4" end="4"/>
+                                            </p:txEl>
+                                          </p:spTgt>
+                                        </p:tgtEl>
+                                        <p:attrNameLst>
+                                          <p:attrName>style.visibility</p:attrName>
+                                        </p:attrNameLst>
+                                      </p:cBhvr>
+                                      <p:to>
+                                        <p:strVal val="visible"/>
+                                      </p:to>
+                                    </p:set>
+                                  </p:childTnLst>
+                                </p:cTn>
+                              </p:par>
+                              <p:par>
+                                <p:cTn id="15" presetID="1" presetClass="entr" presetSubtype="0" fill="hold" nodeType="withEffect">
+                                  <p:stCondLst>
+                                    <p:cond delay="0"/>
+                                  </p:stCondLst>
+                                  <p:childTnLst>
+                                    <p:set>
+                                      <p:cBhvr>
+                                        <p:cTn id="16" dur="1" fill="hold">
+                                          <p:stCondLst>
+                                            <p:cond delay="0"/>
+                                          </p:stCondLst>
+                                        </p:cTn>
+                                        <p:tgtEl>
+                                          <p:spTgt spid="3">
+                                            <p:txEl>
+                                              <p:pRg st="5" end="5"/>
+                                            </p:txEl>
+                                          </p:spTgt>
+                                        </p:tgtEl>
+                                        <p:attrNameLst>
+                                          <p:attrName>style.visibility</p:attrName>
+                                        </p:attrNameLst>
+                                      </p:cBhvr>
+                                      <p:to>
+                                        <p:strVal val="visible"/>
+                                      </p:to>
+                                    </p:set>
+                                  </p:childTnLst>
+                                </p:cTn>
+                              </p:par>
+                              <p:par>
+                                <p:cTn id="17" presetID="1" presetClass="entr" presetSubtype="0" fill="hold" nodeType="withEffect">
+                                  <p:stCondLst>
+                                    <p:cond delay="0"/>
+                                  </p:stCondLst>
+                                  <p:childTnLst>
+                                    <p:set>
+                                      <p:cBhvr>
+                                        <p:cTn id="18" dur="1" fill="hold">
+                                          <p:stCondLst>
+                                            <p:cond delay="0"/>
+                                          </p:stCondLst>
+                                        </p:cTn>
+                                        <p:tgtEl>
+                                          <p:spTgt spid="3">
+                                            <p:txEl>
+                                              <p:pRg st="6" end="6"/>
+                                            </p:txEl>
+                                          </p:spTgt>
+                                        </p:tgtEl>
+                                        <p:attrNameLst>
+                                          <p:attrName>style.visibility</p:attrName>
+                                        </p:attrNameLst>
+                                      </p:cBhvr>
+                                      <p:to>
+                                        <p:strVal val="visible"/>
+                                      </p:to>
+                                    </p:set>
+                                  </p:childTnLst>
+                                </p:cTn>
+                              </p:par>
+                            </p:childTnLst>
+                          </p:cTn>
+                        </p:par>
+                      </p:childTnLst>
+                    </p:cTn>
+                  </p:par>
+                </p:childTnLst>
+              </p:cTn>
+              <p:prevCondLst>
+                <p:cond evt="onPrev" delay="0">
+                  <p:tgtEl>
+                    <p:sldTgt/>
+                  </p:tgtEl>
+                </p:cond>
+              </p:prevCondLst>
+              <p:nextCondLst>
+                <p:cond evt="onNext" delay="0">
+                  <p:tgtEl>
+                    <p:sldTgt/>
+                  </p:tgtEl>
+                </p:cond>
+              </p:nextCondLst>
+            </p:seq>
+          </p:childTnLst>
+        </p:cTn>
+      </p:par>
+    </p:tnLst>
+  </p:timing>
 </p:sld>
 </file>
 
-<file path=ppt/slides/slide37.xml><?xml version="1.0" encoding="utf-8"?>
+<file path=ppt/slides/slide36.xml><?xml version="1.0" encoding="utf-8"?>
 <p:sld xmlns:a="http://schemas.openxmlformats.org/drawingml/2006/main" xmlns:r="http://schemas.openxmlformats.org/officeDocument/2006/relationships" xmlns:p="http://schemas.openxmlformats.org/presentationml/2006/main">
   <p:cSld>
     <p:spTree>
